--- a/slides/checkpoints/June30/kwc_June30_checkpoint.pptx
+++ b/slides/checkpoints/June30/kwc_June30_checkpoint.pptx
@@ -5,15 +5,12 @@
     <p:sldMasterId id="2147483648" r:id="rId1"/>
   </p:sldMasterIdLst>
   <p:notesMasterIdLst>
-    <p:notesMasterId r:id="rId8"/>
+    <p:notesMasterId r:id="rId5"/>
   </p:notesMasterIdLst>
   <p:sldIdLst>
     <p:sldId id="256" r:id="rId2"/>
-    <p:sldId id="1139" r:id="rId3"/>
-    <p:sldId id="1136" r:id="rId4"/>
-    <p:sldId id="1137" r:id="rId5"/>
-    <p:sldId id="1138" r:id="rId6"/>
-    <p:sldId id="1134" r:id="rId7"/>
+    <p:sldId id="1135" r:id="rId3"/>
+    <p:sldId id="1134" r:id="rId4"/>
   </p:sldIdLst>
   <p:sldSz cx="12192000" cy="6858000"/>
   <p:notesSz cx="6858000" cy="9144000"/>
@@ -202,7 +199,7 @@
           <a:p>
             <a:fld id="{DE34F92D-89DA-134C-BFB2-C965CA7ED11B}" type="datetimeFigureOut">
               <a:rPr lang="en-US" smtClean="0"/>
-              <a:t>6/7/23</a:t>
+              <a:t>6/29/23</a:t>
             </a:fld>
             <a:endParaRPr lang="en-US"/>
           </a:p>
@@ -3702,7 +3699,7 @@
                 </a:solidFill>
                 <a:latin typeface="Yantramanav"/>
               </a:rPr>
-              <a:t>Projects</a:t>
+              <a:t>Checkpoint</a:t>
             </a:r>
             <a:br>
               <a:rPr lang="en-US" b="1" dirty="0">
@@ -3744,7 +3741,7 @@
         <p:spPr/>
         <p:txBody>
           <a:bodyPr>
-            <a:normAutofit lnSpcReduction="10000"/>
+            <a:normAutofit/>
           </a:bodyPr>
           <a:lstStyle/>
           <a:p>
@@ -3774,7 +3771,7 @@
                 <a:effectLst/>
                 <a:latin typeface="Yantramanav"/>
               </a:rPr>
-              <a:t>Wednesday, June 26</a:t>
+              <a:t>Friday, June 30</a:t>
             </a:r>
           </a:p>
           <a:p>
@@ -3783,15 +3780,6 @@
                 <a:hlinkClick r:id="rId2"/>
               </a:rPr>
               <a:t>https://github.com/kwchurch/JSALT_Better_Together</a:t>
-            </a:r>
-            <a:endParaRPr lang="en-US" dirty="0"/>
-          </a:p>
-          <a:p>
-            <a:r>
-              <a:rPr lang="en-US" dirty="0">
-                <a:hlinkClick r:id="rId3"/>
-              </a:rPr>
-              <a:t>Meeting Notes </a:t>
             </a:r>
             <a:endParaRPr lang="en-US" dirty="0"/>
           </a:p>
@@ -3832,7 +3820,7 @@
           <p:cNvPr id="2" name="Title 1">
             <a:extLst>
               <a:ext uri="{FF2B5EF4-FFF2-40B4-BE49-F238E27FC236}">
-                <a16:creationId xmlns:a16="http://schemas.microsoft.com/office/drawing/2014/main" id="{2DA9D249-7A42-5011-9360-D6B2BF8329B4}"/>
+                <a16:creationId xmlns:a16="http://schemas.microsoft.com/office/drawing/2014/main" id="{83C1AC2D-87A4-136B-0222-302D07E6B63B}"/>
               </a:ext>
             </a:extLst>
           </p:cNvPr>
@@ -3850,274 +3838,7 @@
           <a:p>
             <a:r>
               <a:rPr lang="en-US" dirty="0"/>
-              <a:t>Four Use Cases from </a:t>
-            </a:r>
-            <a:r>
-              <a:rPr lang="en-US" dirty="0">
-                <a:hlinkClick r:id="rId2"/>
-              </a:rPr>
-              <a:t>Proposal</a:t>
-            </a:r>
-            <a:endParaRPr lang="en-US" dirty="0"/>
-          </a:p>
-        </p:txBody>
-      </p:sp>
-      <p:sp>
-        <p:nvSpPr>
-          <p:cNvPr id="3" name="Content Placeholder 2">
-            <a:extLst>
-              <a:ext uri="{FF2B5EF4-FFF2-40B4-BE49-F238E27FC236}">
-                <a16:creationId xmlns:a16="http://schemas.microsoft.com/office/drawing/2014/main" id="{50CD3394-346A-3537-E8A5-3AD4E0176AAB}"/>
-              </a:ext>
-            </a:extLst>
-          </p:cNvPr>
-          <p:cNvSpPr>
-            <a:spLocks noGrp="1"/>
-          </p:cNvSpPr>
-          <p:nvPr>
-            <p:ph sz="half" idx="1"/>
-          </p:nvPr>
-        </p:nvSpPr>
-        <p:spPr/>
-        <p:txBody>
-          <a:bodyPr>
-            <a:normAutofit/>
-          </a:bodyPr>
-          <a:lstStyle/>
-          <a:p>
-            <a:r>
-              <a:rPr lang="en-US" dirty="0"/>
-              <a:t>Recommendations</a:t>
-            </a:r>
-          </a:p>
-          <a:p>
-            <a:pPr lvl="1"/>
-            <a:r>
-              <a:rPr lang="en-US" dirty="0"/>
-              <a:t>What should I read?</a:t>
-            </a:r>
-          </a:p>
-          <a:p>
-            <a:pPr lvl="1"/>
-            <a:r>
-              <a:rPr lang="en-US" dirty="0"/>
-              <a:t>What should I cite?</a:t>
-            </a:r>
-          </a:p>
-          <a:p>
-            <a:r>
-              <a:rPr lang="en-US" dirty="0"/>
-              <a:t>Finding experts</a:t>
-            </a:r>
-          </a:p>
-          <a:p>
-            <a:pPr lvl="1"/>
-            <a:r>
-              <a:rPr lang="en-US" dirty="0"/>
-              <a:t>Similar to above, </a:t>
-            </a:r>
-          </a:p>
-          <a:p>
-            <a:pPr lvl="1"/>
-            <a:r>
-              <a:rPr lang="en-US" dirty="0"/>
-              <a:t>except answer is a contact</a:t>
-            </a:r>
-          </a:p>
-          <a:p>
-            <a:pPr lvl="2"/>
-            <a:r>
-              <a:rPr lang="en-US" dirty="0"/>
-              <a:t> (as opposed to a paper)</a:t>
-            </a:r>
-          </a:p>
-          <a:p>
-            <a:endParaRPr lang="en-US" dirty="0"/>
-          </a:p>
-        </p:txBody>
-      </p:sp>
-      <p:sp>
-        <p:nvSpPr>
-          <p:cNvPr id="6" name="Content Placeholder 5">
-            <a:extLst>
-              <a:ext uri="{FF2B5EF4-FFF2-40B4-BE49-F238E27FC236}">
-                <a16:creationId xmlns:a16="http://schemas.microsoft.com/office/drawing/2014/main" id="{FA4D3F36-E2F1-DFF4-7CD2-C6CA9E90EBAD}"/>
-              </a:ext>
-            </a:extLst>
-          </p:cNvPr>
-          <p:cNvSpPr>
-            <a:spLocks noGrp="1"/>
-          </p:cNvSpPr>
-          <p:nvPr>
-            <p:ph sz="half" idx="2"/>
-          </p:nvPr>
-        </p:nvSpPr>
-        <p:spPr/>
-        <p:txBody>
-          <a:bodyPr>
-            <a:normAutofit/>
-          </a:bodyPr>
-          <a:lstStyle/>
-          <a:p>
-            <a:r>
-              <a:rPr lang="en-US" dirty="0"/>
-              <a:t>Routing papers to reviewers</a:t>
-            </a:r>
-          </a:p>
-          <a:p>
-            <a:pPr lvl="1"/>
-            <a:r>
-              <a:rPr lang="en-US" dirty="0"/>
-              <a:t>Similar to above,</a:t>
-            </a:r>
-          </a:p>
-          <a:p>
-            <a:pPr lvl="1"/>
-            <a:r>
-              <a:rPr lang="en-US" dirty="0"/>
-              <a:t>except query docs are not in training data</a:t>
-            </a:r>
-          </a:p>
-          <a:p>
-            <a:r>
-              <a:rPr lang="en-US" dirty="0"/>
-              <a:t>Summarization</a:t>
-            </a:r>
-          </a:p>
-          <a:p>
-            <a:pPr lvl="1"/>
-            <a:r>
-              <a:rPr lang="en-US" dirty="0"/>
-              <a:t>Compare &amp; Contrast Clusters</a:t>
-            </a:r>
-          </a:p>
-          <a:p>
-            <a:pPr lvl="2"/>
-            <a:r>
-              <a:rPr lang="en-US" dirty="0"/>
-              <a:t>(Do not summarize docs </a:t>
-            </a:r>
-          </a:p>
-          <a:p>
-            <a:pPr lvl="2"/>
-            <a:r>
-              <a:rPr lang="en-US" dirty="0"/>
-              <a:t>one at a time)</a:t>
-            </a:r>
-          </a:p>
-        </p:txBody>
-      </p:sp>
-      <p:sp>
-        <p:nvSpPr>
-          <p:cNvPr id="4" name="Date Placeholder 3">
-            <a:extLst>
-              <a:ext uri="{FF2B5EF4-FFF2-40B4-BE49-F238E27FC236}">
-                <a16:creationId xmlns:a16="http://schemas.microsoft.com/office/drawing/2014/main" id="{4F4697D0-C46F-4529-2031-CF2D08D9B119}"/>
-              </a:ext>
-            </a:extLst>
-          </p:cNvPr>
-          <p:cNvSpPr>
-            <a:spLocks noGrp="1"/>
-          </p:cNvSpPr>
-          <p:nvPr>
-            <p:ph type="dt" sz="half" idx="10"/>
-          </p:nvPr>
-        </p:nvSpPr>
-        <p:spPr/>
-        <p:txBody>
-          <a:bodyPr/>
-          <a:lstStyle/>
-          <a:p>
-            <a:r>
-              <a:rPr lang="en-US"/>
-              <a:t>6/26/2023</a:t>
-            </a:r>
-          </a:p>
-        </p:txBody>
-      </p:sp>
-      <p:sp>
-        <p:nvSpPr>
-          <p:cNvPr id="5" name="Slide Number Placeholder 4">
-            <a:extLst>
-              <a:ext uri="{FF2B5EF4-FFF2-40B4-BE49-F238E27FC236}">
-                <a16:creationId xmlns:a16="http://schemas.microsoft.com/office/drawing/2014/main" id="{D721AD75-EBBA-8CE5-AB6F-0757A878F27F}"/>
-              </a:ext>
-            </a:extLst>
-          </p:cNvPr>
-          <p:cNvSpPr>
-            <a:spLocks noGrp="1"/>
-          </p:cNvSpPr>
-          <p:nvPr>
-            <p:ph type="sldNum" sz="quarter" idx="12"/>
-          </p:nvPr>
-        </p:nvSpPr>
-        <p:spPr/>
-        <p:txBody>
-          <a:bodyPr/>
-          <a:lstStyle/>
-          <a:p>
-            <a:fld id="{A368AD35-EA55-254F-AD80-EFD99CF0F10B}" type="slidenum">
-              <a:rPr lang="en-US" smtClean="0"/>
-              <a:t>2</a:t>
-            </a:fld>
-            <a:endParaRPr lang="en-US"/>
-          </a:p>
-        </p:txBody>
-      </p:sp>
-    </p:spTree>
-    <p:extLst>
-      <p:ext uri="{BB962C8B-B14F-4D97-AF65-F5344CB8AC3E}">
-        <p14:creationId xmlns:p14="http://schemas.microsoft.com/office/powerpoint/2010/main" val="310791819"/>
-      </p:ext>
-    </p:extLst>
-  </p:cSld>
-  <p:clrMapOvr>
-    <a:masterClrMapping/>
-  </p:clrMapOvr>
-</p:sld>
-</file>
-
-<file path=ppt/slides/slide3.xml><?xml version="1.0" encoding="utf-8"?>
-<p:sld xmlns:a="http://schemas.openxmlformats.org/drawingml/2006/main" xmlns:r="http://schemas.openxmlformats.org/officeDocument/2006/relationships" xmlns:p="http://schemas.openxmlformats.org/presentationml/2006/main">
-  <p:cSld>
-    <p:spTree>
-      <p:nvGrpSpPr>
-        <p:cNvPr id="1" name=""/>
-        <p:cNvGrpSpPr/>
-        <p:nvPr/>
-      </p:nvGrpSpPr>
-      <p:grpSpPr>
-        <a:xfrm>
-          <a:off x="0" y="0"/>
-          <a:ext cx="0" cy="0"/>
-          <a:chOff x="0" y="0"/>
-          <a:chExt cx="0" cy="0"/>
-        </a:xfrm>
-      </p:grpSpPr>
-      <p:sp>
-        <p:nvSpPr>
-          <p:cNvPr id="6" name="Title 5">
-            <a:extLst>
-              <a:ext uri="{FF2B5EF4-FFF2-40B4-BE49-F238E27FC236}">
-                <a16:creationId xmlns:a16="http://schemas.microsoft.com/office/drawing/2014/main" id="{C96F4D9A-0868-55A5-5B6C-5717B0445DF6}"/>
-              </a:ext>
-            </a:extLst>
-          </p:cNvPr>
-          <p:cNvSpPr>
-            <a:spLocks noGrp="1"/>
-          </p:cNvSpPr>
-          <p:nvPr>
-            <p:ph type="title"/>
-          </p:nvPr>
-        </p:nvSpPr>
-        <p:spPr/>
-        <p:txBody>
-          <a:bodyPr/>
-          <a:lstStyle/>
-          <a:p>
-            <a:r>
-              <a:rPr lang="en-US" dirty="0"/>
-              <a:t>Overview of Project Suggestions</a:t>
+              <a:t>Recent updates</a:t>
             </a:r>
           </a:p>
         </p:txBody>
@@ -4126,10 +3847,10 @@
         <mc:Choice xmlns:a14="http://schemas.microsoft.com/office/drawing/2010/main" Requires="a14">
           <p:sp>
             <p:nvSpPr>
-              <p:cNvPr id="7" name="Content Placeholder 6">
+              <p:cNvPr id="3" name="Content Placeholder 2">
                 <a:extLst>
                   <a:ext uri="{FF2B5EF4-FFF2-40B4-BE49-F238E27FC236}">
-                    <a16:creationId xmlns:a16="http://schemas.microsoft.com/office/drawing/2014/main" id="{41B3C1C9-217E-EA53-2CC7-473FA3917D92}"/>
+                    <a16:creationId xmlns:a16="http://schemas.microsoft.com/office/drawing/2014/main" id="{25A4AEEA-B1B8-4384-2822-AFE0565B2745}"/>
                   </a:ext>
                 </a:extLst>
               </p:cNvPr>
@@ -4137,211 +3858,19 @@
                 <a:spLocks noGrp="1"/>
               </p:cNvSpPr>
               <p:nvPr>
-                <p:ph sz="half" idx="1"/>
+                <p:ph idx="1"/>
               </p:nvPr>
             </p:nvSpPr>
             <p:spPr/>
             <p:txBody>
-              <a:bodyPr>
-                <a:normAutofit fontScale="77500" lnSpcReduction="20000"/>
-              </a:bodyPr>
+              <a:bodyPr/>
               <a:lstStyle/>
               <a:p>
-                <a:r>
-                  <a:rPr lang="en-US" dirty="0"/>
-                  <a:t>Inverse BERT</a:t>
-                </a:r>
-              </a:p>
-              <a:p>
-                <a:pPr lvl="1"/>
-                <a14:m>
-                  <m:oMath xmlns:m="http://schemas.openxmlformats.org/officeDocument/2006/math">
-                    <m:r>
-                      <a:rPr lang="en-US" i="1" dirty="0" smtClean="0">
-                        <a:latin typeface="Cambria Math" panose="02040503050406030204" pitchFamily="18" charset="0"/>
-                      </a:rPr>
-                      <m:t>𝑓</m:t>
-                    </m:r>
-                    <m:r>
-                      <a:rPr lang="en-US" i="1" dirty="0" smtClean="0">
-                        <a:latin typeface="Cambria Math" panose="02040503050406030204" pitchFamily="18" charset="0"/>
-                      </a:rPr>
-                      <m:t>(</m:t>
-                    </m:r>
-                    <m:r>
-                      <a:rPr lang="en-US" i="1" dirty="0" smtClean="0">
-                        <a:latin typeface="Cambria Math" panose="02040503050406030204" pitchFamily="18" charset="0"/>
-                      </a:rPr>
-                      <m:t>𝑎</m:t>
-                    </m:r>
-                    <m:r>
-                      <a:rPr lang="en-US" i="1" dirty="0" smtClean="0">
-                        <a:latin typeface="Cambria Math" panose="02040503050406030204" pitchFamily="18" charset="0"/>
-                      </a:rPr>
-                      <m:t>)→</m:t>
-                    </m:r>
-                    <m:r>
-                      <a:rPr lang="en-US" i="1" dirty="0" smtClean="0">
-                        <a:latin typeface="Cambria Math" panose="02040503050406030204" pitchFamily="18" charset="0"/>
-                        <a:sym typeface="Wingdings" pitchFamily="2" charset="2"/>
-                      </a:rPr>
-                      <m:t>𝑣</m:t>
-                    </m:r>
-                  </m:oMath>
-                </a14:m>
-                <a:endParaRPr lang="en-US" dirty="0">
-                  <a:sym typeface="Wingdings" pitchFamily="2" charset="2"/>
-                </a:endParaRPr>
-              </a:p>
-              <a:p>
-                <a:pPr lvl="1"/>
-                <a14:m>
-                  <m:oMath xmlns:m="http://schemas.openxmlformats.org/officeDocument/2006/math">
-                    <m:sSup>
-                      <m:sSupPr>
-                        <m:ctrlPr>
-                          <a:rPr lang="en-US" i="1" smtClean="0">
-                            <a:latin typeface="Cambria Math" panose="02040503050406030204" pitchFamily="18" charset="0"/>
-                            <a:sym typeface="Wingdings" pitchFamily="2" charset="2"/>
-                          </a:rPr>
-                        </m:ctrlPr>
-                      </m:sSupPr>
-                      <m:e>
-                        <m:r>
-                          <a:rPr lang="en-US" b="0" i="1" smtClean="0">
-                            <a:latin typeface="Cambria Math" panose="02040503050406030204" pitchFamily="18" charset="0"/>
-                            <a:sym typeface="Wingdings" pitchFamily="2" charset="2"/>
-                          </a:rPr>
-                          <m:t>𝑓</m:t>
-                        </m:r>
-                      </m:e>
-                      <m:sup>
-                        <m:r>
-                          <a:rPr lang="en-US" b="0" i="1" smtClean="0">
-                            <a:latin typeface="Cambria Math" panose="02040503050406030204" pitchFamily="18" charset="0"/>
-                            <a:sym typeface="Wingdings" pitchFamily="2" charset="2"/>
-                          </a:rPr>
-                          <m:t>−1</m:t>
-                        </m:r>
-                      </m:sup>
-                    </m:sSup>
-                    <m:d>
-                      <m:dPr>
-                        <m:ctrlPr>
-                          <a:rPr lang="en-US" i="1" dirty="0" smtClean="0">
-                            <a:latin typeface="Cambria Math" panose="02040503050406030204" pitchFamily="18" charset="0"/>
-                            <a:sym typeface="Wingdings" pitchFamily="2" charset="2"/>
-                          </a:rPr>
-                        </m:ctrlPr>
-                      </m:dPr>
-                      <m:e>
-                        <m:r>
-                          <a:rPr lang="en-US" b="0" i="1" dirty="0" smtClean="0">
-                            <a:latin typeface="Cambria Math" panose="02040503050406030204" pitchFamily="18" charset="0"/>
-                            <a:sym typeface="Wingdings" pitchFamily="2" charset="2"/>
-                          </a:rPr>
-                          <m:t>𝑣</m:t>
-                        </m:r>
-                      </m:e>
-                    </m:d>
-                    <m:r>
-                      <a:rPr lang="en-US" b="0" i="1" dirty="0" smtClean="0">
-                        <a:latin typeface="Cambria Math" panose="02040503050406030204" pitchFamily="18" charset="0"/>
-                      </a:rPr>
-                      <m:t>→</m:t>
-                    </m:r>
-                    <m:r>
-                      <a:rPr lang="en-US" b="0" i="1" dirty="0" smtClean="0">
-                        <a:latin typeface="Cambria Math" panose="02040503050406030204" pitchFamily="18" charset="0"/>
-                        <a:sym typeface="Wingdings" pitchFamily="2" charset="2"/>
-                      </a:rPr>
-                      <m:t>𝑎</m:t>
-                    </m:r>
-                  </m:oMath>
-                </a14:m>
-                <a:endParaRPr lang="en-US" dirty="0">
-                  <a:sym typeface="Wingdings" pitchFamily="2" charset="2"/>
-                </a:endParaRPr>
-              </a:p>
-              <a:p>
-                <a:pPr lvl="1"/>
-                <a:r>
-                  <a:rPr lang="en-US" dirty="0">
-                    <a:sym typeface="Wingdings" pitchFamily="2" charset="2"/>
-                  </a:rPr>
-                  <a:t>input </a:t>
-                </a:r>
-                <a:r>
-                  <a:rPr lang="en-US" dirty="0" err="1">
-                    <a:sym typeface="Wingdings" pitchFamily="2" charset="2"/>
-                  </a:rPr>
-                  <a:t>vec</a:t>
-                </a:r>
-                <a:r>
-                  <a:rPr lang="en-US" dirty="0">
-                    <a:sym typeface="Wingdings" pitchFamily="2" charset="2"/>
-                  </a:rPr>
-                  <a:t>; output text</a:t>
-                </a:r>
-              </a:p>
-              <a:p>
-                <a:r>
-                  <a:rPr lang="en-US" dirty="0"/>
-                  <a:t>Summarization</a:t>
-                </a:r>
-              </a:p>
-              <a:p>
-                <a:pPr lvl="1"/>
-                <a:r>
-                  <a:rPr lang="en-US" dirty="0" err="1"/>
-                  <a:t>tl;dr</a:t>
-                </a:r>
-                <a:r>
-                  <a:rPr lang="en-US" dirty="0"/>
-                  <a:t>: summarizes docs</a:t>
-                </a:r>
-              </a:p>
-              <a:p>
-                <a:pPr lvl="2"/>
-                <a:r>
-                  <a:rPr lang="en-US" dirty="0"/>
-                  <a:t> one at a time (not great)</a:t>
-                </a:r>
-              </a:p>
-              <a:p>
-                <a:pPr lvl="1"/>
-                <a:r>
-                  <a:rPr lang="en-US" dirty="0"/>
-                  <a:t>Compare &amp; Contrast Clusters</a:t>
-                </a:r>
-              </a:p>
-              <a:p>
-                <a:r>
-                  <a:rPr lang="en-US" dirty="0"/>
-                  <a:t>Evaluation (see </a:t>
-                </a:r>
                 <a:r>
                   <a:rPr lang="en-US" dirty="0">
                     <a:hlinkClick r:id="rId2"/>
                   </a:rPr>
-                  <a:t>here</a:t>
-                </a:r>
-                <a:r>
-                  <a:rPr lang="en-US" dirty="0"/>
-                  <a:t>)</a:t>
-                </a:r>
-              </a:p>
-              <a:p>
-                <a:pPr lvl="1"/>
-                <a:r>
-                  <a:rPr lang="en-US" dirty="0"/>
-                  <a:t>Bad Benchmarks: </a:t>
-                </a:r>
-                <a:r>
-                  <a:rPr lang="en-US" dirty="0">
-                    <a:hlinkClick r:id="rId3"/>
-                  </a:rPr>
-                  <a:t>CIKM</a:t>
+                  <a:t>Time Partitioning</a:t>
                 </a:r>
                 <a:endParaRPr lang="en-US" dirty="0"/>
               </a:p>
@@ -4349,124 +3878,49 @@
                 <a:pPr lvl="1"/>
                 <a:r>
                   <a:rPr lang="en-US" dirty="0"/>
-                  <a:t>More promising: G over time</a:t>
-                </a:r>
-              </a:p>
-              <a:p>
-                <a:r>
-                  <a:rPr lang="en-US" dirty="0"/>
-                  <a:t>Citing Sentences:</a:t>
+                  <a:t>Split Corpus Ids into bins by time (publication day or year + jitter)</a:t>
                 </a:r>
               </a:p>
               <a:p>
                 <a:pPr lvl="1"/>
                 <a:r>
                   <a:rPr lang="en-US" dirty="0"/>
-                  <a:t>Why is a paper important to contemporary audience in contemporary terms?</a:t>
-                </a:r>
-              </a:p>
-              <a:p>
-                <a:endParaRPr lang="en-US" dirty="0">
-                  <a:sym typeface="Wingdings" pitchFamily="2" charset="2"/>
-                </a:endParaRPr>
-              </a:p>
-              <a:p>
-                <a:pPr lvl="1"/>
-                <a:endParaRPr lang="en-US" dirty="0"/>
-              </a:p>
-            </p:txBody>
-          </p:sp>
-        </mc:Choice>
-        <mc:Fallback>
-          <p:sp>
-            <p:nvSpPr>
-              <p:cNvPr id="7" name="Content Placeholder 6">
-                <a:extLst>
-                  <a:ext uri="{FF2B5EF4-FFF2-40B4-BE49-F238E27FC236}">
-                    <a16:creationId xmlns:a16="http://schemas.microsoft.com/office/drawing/2014/main" id="{41B3C1C9-217E-EA53-2CC7-473FA3917D92}"/>
-                  </a:ext>
-                </a:extLst>
-              </p:cNvPr>
-              <p:cNvSpPr>
-                <a:spLocks noGrp="1" noRot="1" noChangeAspect="1" noMove="1" noResize="1" noEditPoints="1" noAdjustHandles="1" noChangeArrowheads="1" noChangeShapeType="1" noTextEdit="1"/>
-              </p:cNvSpPr>
-              <p:nvPr>
-                <p:ph sz="half" idx="1"/>
-              </p:nvPr>
-            </p:nvSpPr>
-            <p:spPr>
-              <a:blipFill>
-                <a:blip r:embed="rId4"/>
-                <a:stretch>
-                  <a:fillRect l="-1467" t="-2907"/>
-                </a:stretch>
-              </a:blipFill>
-            </p:spPr>
-            <p:txBody>
-              <a:bodyPr/>
-              <a:lstStyle/>
-              <a:p>
-                <a:r>
-                  <a:rPr lang="en-US">
-                    <a:noFill/>
-                  </a:rPr>
-                  <a:t> </a:t>
-                </a:r>
-              </a:p>
-            </p:txBody>
-          </p:sp>
-        </mc:Fallback>
-      </mc:AlternateContent>
-      <mc:AlternateContent xmlns:mc="http://schemas.openxmlformats.org/markup-compatibility/2006">
-        <mc:Choice xmlns:a14="http://schemas.microsoft.com/office/drawing/2010/main" Requires="a14">
-          <p:sp>
-            <p:nvSpPr>
-              <p:cNvPr id="8" name="Content Placeholder 7">
-                <a:extLst>
-                  <a:ext uri="{FF2B5EF4-FFF2-40B4-BE49-F238E27FC236}">
-                    <a16:creationId xmlns:a16="http://schemas.microsoft.com/office/drawing/2014/main" id="{388A94E2-F5E4-0D28-3509-7177640BD007}"/>
-                  </a:ext>
-                </a:extLst>
-              </p:cNvPr>
-              <p:cNvSpPr>
-                <a:spLocks noGrp="1"/>
-              </p:cNvSpPr>
-              <p:nvPr>
-                <p:ph sz="half" idx="2"/>
-              </p:nvPr>
-            </p:nvSpPr>
-            <p:spPr/>
-            <p:txBody>
-              <a:bodyPr>
-                <a:normAutofit fontScale="77500" lnSpcReduction="20000"/>
-              </a:bodyPr>
-              <a:lstStyle/>
-              <a:p>
-                <a:r>
-                  <a:rPr lang="en-US" dirty="0"/>
-                  <a:t>Approximate Nearest Neighbors</a:t>
+                  <a:t>Select subgraph by bin</a:t>
                 </a:r>
               </a:p>
               <a:p>
                 <a:pPr lvl="1"/>
                 <a:r>
                   <a:rPr lang="en-US" dirty="0"/>
-                  <a:t>External memory (</a:t>
-                </a:r>
-                <a:r>
-                  <a:rPr lang="en-US" dirty="0" err="1"/>
-                  <a:t>mmap</a:t>
-                </a:r>
-                <a:r>
-                  <a:rPr lang="en-US" dirty="0"/>
-                  <a:t>)</a:t>
+                  <a:t>Cum graphs</a:t>
                 </a:r>
               </a:p>
               <a:p>
                 <a:pPr lvl="1"/>
                 <a:r>
                   <a:rPr lang="en-US" dirty="0"/>
-                  <a:t>Cannot materialize </a:t>
+                  <a:t>Compute </a:t>
+                </a:r>
+                <a:r>
+                  <a:rPr lang="en-US" dirty="0" err="1"/>
+                  <a:t>ProNE</a:t>
+                </a:r>
+                <a:endParaRPr lang="en-US" dirty="0"/>
+              </a:p>
+              <a:p>
+                <a:r>
+                  <a:rPr lang="en-US" dirty="0">
+                    <a:hlinkClick r:id="rId3"/>
+                  </a:rPr>
+                  <a:t>Materialized Similarities</a:t>
+                </a:r>
+                <a:endParaRPr lang="en-US" dirty="0"/>
+              </a:p>
+              <a:p>
+                <a:pPr lvl="1"/>
+                <a:r>
+                  <a:rPr lang="en-US" dirty="0"/>
+                  <a:t>We cannot materialize </a:t>
                 </a:r>
                 <a14:m>
                   <m:oMath xmlns:m="http://schemas.openxmlformats.org/officeDocument/2006/math">
@@ -4503,192 +3957,17 @@
                     </m:sSup>
                   </m:oMath>
                 </a14:m>
-                <a:endParaRPr lang="en-US" dirty="0"/>
-              </a:p>
-              <a:p>
-                <a:pPr lvl="2"/>
                 <a:r>
                   <a:rPr lang="en-US" dirty="0"/>
-                  <a:t>But can find large values in </a:t>
-                </a:r>
-                <a14:m>
-                  <m:oMath xmlns:m="http://schemas.openxmlformats.org/officeDocument/2006/math">
-                    <m:r>
-                      <a:rPr lang="en-US" b="0" i="1" smtClean="0">
-                        <a:latin typeface="Cambria Math" panose="02040503050406030204" pitchFamily="18" charset="0"/>
-                      </a:rPr>
-                      <m:t>𝑀</m:t>
-                    </m:r>
-                    <m:sSup>
-                      <m:sSupPr>
-                        <m:ctrlPr>
-                          <a:rPr lang="en-US" b="0" i="1" smtClean="0">
-                            <a:latin typeface="Cambria Math" panose="02040503050406030204" pitchFamily="18" charset="0"/>
-                          </a:rPr>
-                        </m:ctrlPr>
-                      </m:sSupPr>
-                      <m:e>
-                        <m:r>
-                          <a:rPr lang="en-US" b="0" i="1" smtClean="0">
-                            <a:latin typeface="Cambria Math" panose="02040503050406030204" pitchFamily="18" charset="0"/>
-                          </a:rPr>
-                          <m:t>𝑀</m:t>
-                        </m:r>
-                      </m:e>
-                      <m:sup>
-                        <m:r>
-                          <a:rPr lang="en-US" b="0" i="1" smtClean="0">
-                            <a:latin typeface="Cambria Math" panose="02040503050406030204" pitchFamily="18" charset="0"/>
-                          </a:rPr>
-                          <m:t>𝑇</m:t>
-                        </m:r>
-                      </m:sup>
-                    </m:sSup>
-                  </m:oMath>
-                </a14:m>
-                <a:endParaRPr lang="en-US" dirty="0"/>
-              </a:p>
-              <a:p>
-                <a:pPr lvl="3"/>
-                <a14:m>
-                  <m:oMath xmlns:m="http://schemas.openxmlformats.org/officeDocument/2006/math">
-                    <m:sSup>
-                      <m:sSupPr>
-                        <m:ctrlPr>
-                          <a:rPr lang="en-US" i="1" smtClean="0">
-                            <a:latin typeface="Cambria Math" panose="02040503050406030204" pitchFamily="18" charset="0"/>
-                          </a:rPr>
-                        </m:ctrlPr>
-                      </m:sSupPr>
-                      <m:e>
-                        <m:r>
-                          <a:rPr lang="en-US" b="0" i="1" smtClean="0">
-                            <a:latin typeface="Cambria Math" panose="02040503050406030204" pitchFamily="18" charset="0"/>
-                          </a:rPr>
-                          <m:t>𝑁</m:t>
-                        </m:r>
-                      </m:e>
-                      <m:sup>
-                        <m:r>
-                          <a:rPr lang="en-US" b="0" i="1" smtClean="0">
-                            <a:latin typeface="Cambria Math" panose="02040503050406030204" pitchFamily="18" charset="0"/>
-                          </a:rPr>
-                          <m:t>2</m:t>
-                        </m:r>
-                      </m:sup>
-                    </m:sSup>
-                  </m:oMath>
-                </a14:m>
-                <a:r>
-                  <a:rPr lang="en-US" dirty="0"/>
-                  <a:t> values in </a:t>
-                </a:r>
-                <a14:m>
-                  <m:oMath xmlns:m="http://schemas.openxmlformats.org/officeDocument/2006/math">
-                    <m:r>
-                      <a:rPr lang="en-US" i="1">
-                        <a:latin typeface="Cambria Math" panose="02040503050406030204" pitchFamily="18" charset="0"/>
-                      </a:rPr>
-                      <m:t>𝑀</m:t>
-                    </m:r>
-                    <m:sSup>
-                      <m:sSupPr>
-                        <m:ctrlPr>
-                          <a:rPr lang="en-US" i="1">
-                            <a:latin typeface="Cambria Math" panose="02040503050406030204" pitchFamily="18" charset="0"/>
-                          </a:rPr>
-                        </m:ctrlPr>
-                      </m:sSupPr>
-                      <m:e>
-                        <m:r>
-                          <a:rPr lang="en-US" i="1">
-                            <a:latin typeface="Cambria Math" panose="02040503050406030204" pitchFamily="18" charset="0"/>
-                          </a:rPr>
-                          <m:t>𝑀</m:t>
-                        </m:r>
-                      </m:e>
-                      <m:sup>
-                        <m:r>
-                          <a:rPr lang="en-US" i="1">
-                            <a:latin typeface="Cambria Math" panose="02040503050406030204" pitchFamily="18" charset="0"/>
-                          </a:rPr>
-                          <m:t>𝑇</m:t>
-                        </m:r>
-                      </m:sup>
-                    </m:sSup>
-                  </m:oMath>
-                </a14:m>
-                <a:endParaRPr lang="en-US" dirty="0"/>
-              </a:p>
-              <a:p>
-                <a:pPr lvl="3"/>
-                <a:r>
-                  <a:rPr lang="en-US" dirty="0"/>
-                  <a:t>but only </a:t>
-                </a:r>
-                <a14:m>
-                  <m:oMath xmlns:m="http://schemas.openxmlformats.org/officeDocument/2006/math">
-                    <m:r>
-                      <a:rPr lang="en-US" i="1" dirty="0" smtClean="0">
-                        <a:latin typeface="Cambria Math" panose="02040503050406030204" pitchFamily="18" charset="0"/>
-                      </a:rPr>
-                      <m:t>𝑁</m:t>
-                    </m:r>
-                  </m:oMath>
-                </a14:m>
-                <a:r>
-                  <a:rPr lang="en-US" dirty="0"/>
-                  <a:t> values in </a:t>
-                </a:r>
-                <a14:m>
-                  <m:oMath xmlns:m="http://schemas.openxmlformats.org/officeDocument/2006/math">
-                    <m:r>
-                      <a:rPr lang="en-US" i="1" smtClean="0">
-                        <a:latin typeface="Cambria Math" panose="02040503050406030204" pitchFamily="18" charset="0"/>
-                        <a:ea typeface="Cambria Math" panose="02040503050406030204" pitchFamily="18" charset="0"/>
-                      </a:rPr>
-                      <m:t>𝜋</m:t>
-                    </m:r>
-                  </m:oMath>
-                </a14:m>
-                <a:r>
-                  <a:rPr lang="en-US" dirty="0"/>
-                  <a:t> (index)</a:t>
+                  <a:t> but can use indexes to find big values</a:t>
                 </a:r>
               </a:p>
               <a:p>
                 <a:r>
-                  <a:rPr lang="en-US" dirty="0"/>
-                  <a:t>Similarities of Groups of Docs</a:t>
-                </a:r>
-              </a:p>
-              <a:p>
-                <a:pPr lvl="1"/>
-                <a:r>
-                  <a:rPr lang="en-US" dirty="0"/>
-                  <a:t>Venues, Authors, </a:t>
-                </a:r>
-                <a:r>
-                  <a:rPr lang="en-US" dirty="0" err="1"/>
-                  <a:t>etc</a:t>
-                </a:r>
-                <a:endParaRPr lang="en-US" dirty="0"/>
-              </a:p>
-              <a:p>
-                <a:r>
-                  <a:rPr lang="en-US" dirty="0"/>
-                  <a:t>Systems</a:t>
-                </a:r>
-              </a:p>
-              <a:p>
-                <a:pPr lvl="1"/>
-                <a:r>
-                  <a:rPr lang="en-US" dirty="0"/>
-                  <a:t>Speed up </a:t>
-                </a:r>
-                <a:r>
-                  <a:rPr lang="en-US" dirty="0" err="1"/>
-                  <a:t>ProNE</a:t>
+                  <a:rPr lang="en-US" dirty="0">
+                    <a:hlinkClick r:id="rId4"/>
+                  </a:rPr>
+                  <a:t>Looking by Vectors</a:t>
                 </a:r>
                 <a:endParaRPr lang="en-US" dirty="0"/>
               </a:p>
@@ -4696,21 +3975,28 @@
                 <a:pPr lvl="1"/>
                 <a:r>
                   <a:rPr lang="en-US" dirty="0"/>
-                  <a:t>Incremental updates</a:t>
+                  <a:t>How to search embeddings with a vector </a:t>
                 </a:r>
-              </a:p>
-              <a:p>
                 <a:r>
-                  <a:rPr lang="en-US" dirty="0"/>
-                  <a:t>Web services</a:t>
+                  <a:rPr lang="en-US"/>
+                  <a:t>query </a:t>
                 </a:r>
               </a:p>
               <a:p>
                 <a:pPr lvl="1"/>
                 <a:r>
+                  <a:rPr lang="en-US"/>
+                  <a:t>(</a:t>
+                </a:r>
+                <a:r>
                   <a:rPr lang="en-US" dirty="0"/>
-                  <a:t>Does anyone have a web server?</a:t>
+                  <a:t>that may not be </a:t>
                 </a:r>
+                <a:r>
+                  <a:rPr lang="en-US"/>
+                  <a:t>in embedding)</a:t>
+                </a:r>
+                <a:endParaRPr lang="en-US" dirty="0"/>
               </a:p>
             </p:txBody>
           </p:sp>
@@ -4718,10 +4004,10 @@
         <mc:Fallback>
           <p:sp>
             <p:nvSpPr>
-              <p:cNvPr id="8" name="Content Placeholder 7">
+              <p:cNvPr id="3" name="Content Placeholder 2">
                 <a:extLst>
                   <a:ext uri="{FF2B5EF4-FFF2-40B4-BE49-F238E27FC236}">
-                    <a16:creationId xmlns:a16="http://schemas.microsoft.com/office/drawing/2014/main" id="{388A94E2-F5E4-0D28-3509-7177640BD007}"/>
+                    <a16:creationId xmlns:a16="http://schemas.microsoft.com/office/drawing/2014/main" id="{25A4AEEA-B1B8-4384-2822-AFE0565B2745}"/>
                   </a:ext>
                 </a:extLst>
               </p:cNvPr>
@@ -4729,14 +4015,14 @@
                 <a:spLocks noGrp="1" noRot="1" noChangeAspect="1" noMove="1" noResize="1" noEditPoints="1" noAdjustHandles="1" noChangeArrowheads="1" noChangeShapeType="1" noTextEdit="1"/>
               </p:cNvSpPr>
               <p:nvPr>
-                <p:ph sz="half" idx="2"/>
+                <p:ph idx="1"/>
               </p:nvPr>
             </p:nvSpPr>
             <p:spPr>
               <a:blipFill>
                 <a:blip r:embed="rId5"/>
                 <a:stretch>
-                  <a:fillRect l="-1467" t="-2907"/>
+                  <a:fillRect l="-1086" t="-2326" b="-872"/>
                 </a:stretch>
               </a:blipFill>
             </p:spPr>
@@ -4760,7 +4046,7 @@
           <p:cNvPr id="4" name="Date Placeholder 3">
             <a:extLst>
               <a:ext uri="{FF2B5EF4-FFF2-40B4-BE49-F238E27FC236}">
-                <a16:creationId xmlns:a16="http://schemas.microsoft.com/office/drawing/2014/main" id="{79F7B39E-67B9-DCFE-1ECB-B5F9F527F439}"/>
+                <a16:creationId xmlns:a16="http://schemas.microsoft.com/office/drawing/2014/main" id="{D22CE596-2DE0-2CCD-2E46-35ECD2587E70}"/>
               </a:ext>
             </a:extLst>
           </p:cNvPr>
@@ -4788,7 +4074,7 @@
           <p:cNvPr id="5" name="Slide Number Placeholder 4">
             <a:extLst>
               <a:ext uri="{FF2B5EF4-FFF2-40B4-BE49-F238E27FC236}">
-                <a16:creationId xmlns:a16="http://schemas.microsoft.com/office/drawing/2014/main" id="{AC9E9274-0B5C-7F58-7F91-32F079729B21}"/>
+                <a16:creationId xmlns:a16="http://schemas.microsoft.com/office/drawing/2014/main" id="{4C941304-8310-781E-116C-0A77DEABCE3E}"/>
               </a:ext>
             </a:extLst>
           </p:cNvPr>
@@ -4806,7 +4092,7 @@
           <a:p>
             <a:fld id="{A368AD35-EA55-254F-AD80-EFD99CF0F10B}" type="slidenum">
               <a:rPr lang="en-US" smtClean="0"/>
-              <a:t>3</a:t>
+              <a:t>2</a:t>
             </a:fld>
             <a:endParaRPr lang="en-US"/>
           </a:p>
@@ -4815,7 +4101,7 @@
     </p:spTree>
     <p:extLst>
       <p:ext uri="{BB962C8B-B14F-4D97-AF65-F5344CB8AC3E}">
-        <p14:creationId xmlns:p14="http://schemas.microsoft.com/office/powerpoint/2010/main" val="1918345593"/>
+        <p14:creationId xmlns:p14="http://schemas.microsoft.com/office/powerpoint/2010/main" val="1697429127"/>
       </p:ext>
     </p:extLst>
   </p:cSld>
@@ -4825,7 +4111,7 @@
 </p:sld>
 </file>
 
-<file path=ppt/slides/slide4.xml><?xml version="1.0" encoding="utf-8"?>
+<file path=ppt/slides/slide3.xml><?xml version="1.0" encoding="utf-8"?>
 <p:sld xmlns:a="http://schemas.openxmlformats.org/drawingml/2006/main" xmlns:r="http://schemas.openxmlformats.org/officeDocument/2006/relationships" xmlns:p="http://schemas.openxmlformats.org/presentationml/2006/main">
   <p:cSld>
     <p:spTree>
@@ -4847,1227 +4133,6 @@
           <p:cNvPr id="2" name="Title 1">
             <a:extLst>
               <a:ext uri="{FF2B5EF4-FFF2-40B4-BE49-F238E27FC236}">
-                <a16:creationId xmlns:a16="http://schemas.microsoft.com/office/drawing/2014/main" id="{9252B3A5-FFD0-46C4-BAA2-EC611A447ED9}"/>
-              </a:ext>
-            </a:extLst>
-          </p:cNvPr>
-          <p:cNvSpPr>
-            <a:spLocks noGrp="1"/>
-          </p:cNvSpPr>
-          <p:nvPr>
-            <p:ph type="title"/>
-          </p:nvPr>
-        </p:nvSpPr>
-        <p:spPr/>
-        <p:txBody>
-          <a:bodyPr/>
-          <a:lstStyle/>
-          <a:p>
-            <a:r>
-              <a:rPr lang="en-US" dirty="0"/>
-              <a:t>Summarization of 348 Docs</a:t>
-            </a:r>
-          </a:p>
-        </p:txBody>
-      </p:sp>
-      <p:sp>
-        <p:nvSpPr>
-          <p:cNvPr id="5" name="Date Placeholder 4">
-            <a:extLst>
-              <a:ext uri="{FF2B5EF4-FFF2-40B4-BE49-F238E27FC236}">
-                <a16:creationId xmlns:a16="http://schemas.microsoft.com/office/drawing/2014/main" id="{02814A8B-D623-2FD8-BD22-F9CC30C02081}"/>
-              </a:ext>
-            </a:extLst>
-          </p:cNvPr>
-          <p:cNvSpPr>
-            <a:spLocks noGrp="1"/>
-          </p:cNvSpPr>
-          <p:nvPr>
-            <p:ph type="dt" sz="half" idx="10"/>
-          </p:nvPr>
-        </p:nvSpPr>
-        <p:spPr/>
-        <p:txBody>
-          <a:bodyPr/>
-          <a:lstStyle/>
-          <a:p>
-            <a:r>
-              <a:rPr lang="en-US"/>
-              <a:t>6/26/2023</a:t>
-            </a:r>
-          </a:p>
-        </p:txBody>
-      </p:sp>
-      <p:sp>
-        <p:nvSpPr>
-          <p:cNvPr id="6" name="Slide Number Placeholder 5">
-            <a:extLst>
-              <a:ext uri="{FF2B5EF4-FFF2-40B4-BE49-F238E27FC236}">
-                <a16:creationId xmlns:a16="http://schemas.microsoft.com/office/drawing/2014/main" id="{616BC79B-2CE5-8A67-5281-65A3D8F711B3}"/>
-              </a:ext>
-            </a:extLst>
-          </p:cNvPr>
-          <p:cNvSpPr>
-            <a:spLocks noGrp="1"/>
-          </p:cNvSpPr>
-          <p:nvPr>
-            <p:ph type="sldNum" sz="quarter" idx="12"/>
-          </p:nvPr>
-        </p:nvSpPr>
-        <p:spPr/>
-        <p:txBody>
-          <a:bodyPr/>
-          <a:lstStyle/>
-          <a:p>
-            <a:fld id="{A368AD35-EA55-254F-AD80-EFD99CF0F10B}" type="slidenum">
-              <a:rPr lang="en-US" smtClean="0"/>
-              <a:t>4</a:t>
-            </a:fld>
-            <a:endParaRPr lang="en-US"/>
-          </a:p>
-        </p:txBody>
-      </p:sp>
-      <p:sp>
-        <p:nvSpPr>
-          <p:cNvPr id="10" name="Content Placeholder 9">
-            <a:extLst>
-              <a:ext uri="{FF2B5EF4-FFF2-40B4-BE49-F238E27FC236}">
-                <a16:creationId xmlns:a16="http://schemas.microsoft.com/office/drawing/2014/main" id="{B99D22E2-2611-AE06-E153-5B0E6B6E0113}"/>
-              </a:ext>
-            </a:extLst>
-          </p:cNvPr>
-          <p:cNvSpPr>
-            <a:spLocks noGrp="1"/>
-          </p:cNvSpPr>
-          <p:nvPr>
-            <p:ph sz="half" idx="1"/>
-          </p:nvPr>
-        </p:nvSpPr>
-        <p:spPr/>
-        <p:txBody>
-          <a:bodyPr>
-            <a:normAutofit fontScale="92500" lnSpcReduction="10000"/>
-          </a:bodyPr>
-          <a:lstStyle/>
-          <a:p>
-            <a:r>
-              <a:rPr lang="en-US" dirty="0"/>
-              <a:t>348 Docs</a:t>
-            </a:r>
-          </a:p>
-          <a:p>
-            <a:pPr lvl="1"/>
-            <a:r>
-              <a:rPr lang="en-US" dirty="0"/>
-              <a:t>See </a:t>
-            </a:r>
-            <a:r>
-              <a:rPr lang="en-US" dirty="0">
-                <a:hlinkClick r:id="rId2"/>
-              </a:rPr>
-              <a:t>docs</a:t>
-            </a:r>
-            <a:r>
-              <a:rPr lang="en-US" dirty="0"/>
-              <a:t> and </a:t>
-            </a:r>
-            <a:r>
-              <a:rPr lang="en-US" dirty="0">
-                <a:hlinkClick r:id="rId3"/>
-              </a:rPr>
-              <a:t>vectors</a:t>
-            </a:r>
-            <a:endParaRPr lang="en-US" dirty="0"/>
-          </a:p>
-          <a:p>
-            <a:r>
-              <a:rPr lang="en-US" dirty="0"/>
-              <a:t>Desiderata/Task</a:t>
-            </a:r>
-          </a:p>
-          <a:p>
-            <a:pPr lvl="1"/>
-            <a:r>
-              <a:rPr lang="en-US" dirty="0"/>
-              <a:t>Input: set of docs</a:t>
-            </a:r>
-          </a:p>
-          <a:p>
-            <a:pPr lvl="1"/>
-            <a:r>
-              <a:rPr lang="en-US" dirty="0"/>
-              <a:t>Output: clusters</a:t>
-            </a:r>
-          </a:p>
-          <a:p>
-            <a:pPr lvl="2"/>
-            <a:r>
-              <a:rPr lang="en-US" dirty="0"/>
-              <a:t>Plus compare &amp; contrast</a:t>
-            </a:r>
-          </a:p>
-          <a:p>
-            <a:pPr lvl="2"/>
-            <a:r>
-              <a:rPr lang="en-US" dirty="0"/>
-              <a:t>Inverse BERT of clusters</a:t>
-            </a:r>
-          </a:p>
-          <a:p>
-            <a:r>
-              <a:rPr lang="en-US" dirty="0"/>
-              <a:t>Method</a:t>
-            </a:r>
-          </a:p>
-          <a:p>
-            <a:pPr lvl="1"/>
-            <a:r>
-              <a:rPr lang="en-US" dirty="0"/>
-              <a:t>Map docs to vectors</a:t>
-            </a:r>
-          </a:p>
-          <a:p>
-            <a:pPr lvl="1"/>
-            <a:r>
-              <a:rPr lang="en-US" dirty="0" err="1"/>
-              <a:t>kmeans</a:t>
-            </a:r>
-            <a:r>
-              <a:rPr lang="en-US" dirty="0"/>
-              <a:t> clustering</a:t>
-            </a:r>
-          </a:p>
-          <a:p>
-            <a:pPr lvl="1"/>
-            <a:r>
-              <a:rPr lang="en-US" dirty="0"/>
-              <a:t>compare &amp; contrast centroids</a:t>
-            </a:r>
-          </a:p>
-          <a:p>
-            <a:pPr lvl="1"/>
-            <a:r>
-              <a:rPr lang="en-US" dirty="0"/>
-              <a:t>inverse BERT on centroids</a:t>
-            </a:r>
-          </a:p>
-          <a:p>
-            <a:pPr lvl="1"/>
-            <a:endParaRPr lang="en-US" dirty="0"/>
-          </a:p>
-        </p:txBody>
-      </p:sp>
-      <p:pic>
-        <p:nvPicPr>
-          <p:cNvPr id="11" name="Content Placeholder 7">
-            <a:extLst>
-              <a:ext uri="{FF2B5EF4-FFF2-40B4-BE49-F238E27FC236}">
-                <a16:creationId xmlns:a16="http://schemas.microsoft.com/office/drawing/2014/main" id="{02BA1D8B-6816-0D26-D59D-B99F3300E940}"/>
-              </a:ext>
-            </a:extLst>
-          </p:cNvPr>
-          <p:cNvPicPr>
-            <a:picLocks noGrp="1" noChangeAspect="1"/>
-          </p:cNvPicPr>
-          <p:nvPr>
-            <p:ph sz="half" idx="2"/>
-          </p:nvPr>
-        </p:nvPicPr>
-        <p:blipFill>
-          <a:blip r:embed="rId4"/>
-          <a:stretch>
-            <a:fillRect/>
-          </a:stretch>
-        </p:blipFill>
-        <p:spPr>
-          <a:xfrm>
-            <a:off x="6587331" y="1825625"/>
-            <a:ext cx="4351338" cy="4351338"/>
-          </a:xfrm>
-        </p:spPr>
-      </p:pic>
-    </p:spTree>
-    <p:extLst>
-      <p:ext uri="{BB962C8B-B14F-4D97-AF65-F5344CB8AC3E}">
-        <p14:creationId xmlns:p14="http://schemas.microsoft.com/office/powerpoint/2010/main" val="1440690023"/>
-      </p:ext>
-    </p:extLst>
-  </p:cSld>
-  <p:clrMapOvr>
-    <a:masterClrMapping/>
-  </p:clrMapOvr>
-</p:sld>
-</file>
-
-<file path=ppt/slides/slide5.xml><?xml version="1.0" encoding="utf-8"?>
-<p:sld xmlns:a="http://schemas.openxmlformats.org/drawingml/2006/main" xmlns:r="http://schemas.openxmlformats.org/officeDocument/2006/relationships" xmlns:p="http://schemas.openxmlformats.org/presentationml/2006/main">
-  <p:cSld>
-    <p:spTree>
-      <p:nvGrpSpPr>
-        <p:cNvPr id="1" name=""/>
-        <p:cNvGrpSpPr/>
-        <p:nvPr/>
-      </p:nvGrpSpPr>
-      <p:grpSpPr>
-        <a:xfrm>
-          <a:off x="0" y="0"/>
-          <a:ext cx="0" cy="0"/>
-          <a:chOff x="0" y="0"/>
-          <a:chExt cx="0" cy="0"/>
-        </a:xfrm>
-      </p:grpSpPr>
-      <p:sp>
-        <p:nvSpPr>
-          <p:cNvPr id="2" name="Title 1">
-            <a:extLst>
-              <a:ext uri="{FF2B5EF4-FFF2-40B4-BE49-F238E27FC236}">
-                <a16:creationId xmlns:a16="http://schemas.microsoft.com/office/drawing/2014/main" id="{C9E6BBED-C2D6-5606-C1F3-2F07885A9E9E}"/>
-              </a:ext>
-            </a:extLst>
-          </p:cNvPr>
-          <p:cNvSpPr>
-            <a:spLocks noGrp="1"/>
-          </p:cNvSpPr>
-          <p:nvPr>
-            <p:ph type="title"/>
-          </p:nvPr>
-        </p:nvSpPr>
-        <p:spPr/>
-        <p:txBody>
-          <a:bodyPr>
-            <a:noAutofit/>
-          </a:bodyPr>
-          <a:lstStyle/>
-          <a:p>
-            <a:r>
-              <a:rPr lang="en-US" sz="4800" dirty="0"/>
-              <a:t>What should I cite?</a:t>
-            </a:r>
-            <a:br>
-              <a:rPr lang="en-US" sz="2800" dirty="0"/>
-            </a:br>
-            <a:r>
-              <a:rPr lang="en-US" sz="1800" dirty="0">
-                <a:hlinkClick r:id="rId2"/>
-              </a:rPr>
-              <a:t>https://github.com/kwchurch/JSALT_Better_Together/blob/main/examples/similar_documents/minigpt4/ids.txt</a:t>
-            </a:r>
-            <a:r>
-              <a:rPr lang="en-US" sz="1800" dirty="0"/>
-              <a:t> </a:t>
-            </a:r>
-            <a:endParaRPr lang="en-US" sz="2800" dirty="0"/>
-          </a:p>
-        </p:txBody>
-      </p:sp>
-      <p:sp>
-        <p:nvSpPr>
-          <p:cNvPr id="4" name="Content Placeholder 3">
-            <a:extLst>
-              <a:ext uri="{FF2B5EF4-FFF2-40B4-BE49-F238E27FC236}">
-                <a16:creationId xmlns:a16="http://schemas.microsoft.com/office/drawing/2014/main" id="{251C69AE-1E09-450A-DB62-6696A9C9A1DE}"/>
-              </a:ext>
-            </a:extLst>
-          </p:cNvPr>
-          <p:cNvSpPr>
-            <a:spLocks noGrp="1"/>
-          </p:cNvSpPr>
-          <p:nvPr>
-            <p:ph idx="1"/>
-          </p:nvPr>
-        </p:nvSpPr>
-        <p:spPr/>
-        <p:txBody>
-          <a:bodyPr>
-            <a:normAutofit fontScale="55000" lnSpcReduction="20000"/>
-          </a:bodyPr>
-          <a:lstStyle/>
-          <a:p>
-            <a:pPr marL="0" indent="0">
-              <a:buNone/>
-            </a:pPr>
-            <a:r>
-              <a:rPr lang="en-US" b="1" dirty="0">
-                <a:solidFill>
-                  <a:srgbClr val="000000"/>
-                </a:solidFill>
-                <a:effectLst/>
-                <a:latin typeface="Menlo" panose="020B0609030804020204" pitchFamily="49" charset="0"/>
-              </a:rPr>
-              <a:t>cat </a:t>
-            </a:r>
-            <a:r>
-              <a:rPr lang="en-US" b="1" dirty="0" err="1">
-                <a:solidFill>
-                  <a:srgbClr val="000000"/>
-                </a:solidFill>
-                <a:effectLst/>
-                <a:latin typeface="Menlo" panose="020B0609030804020204" pitchFamily="49" charset="0"/>
-              </a:rPr>
-              <a:t>ids.txt</a:t>
-            </a:r>
-            <a:r>
-              <a:rPr lang="en-US" b="1" dirty="0">
-                <a:solidFill>
-                  <a:srgbClr val="000000"/>
-                </a:solidFill>
-                <a:effectLst/>
-                <a:latin typeface="Menlo" panose="020B0609030804020204" pitchFamily="49" charset="0"/>
-              </a:rPr>
-              <a:t> | $</a:t>
-            </a:r>
-            <a:r>
-              <a:rPr lang="en-US" b="1" dirty="0" err="1">
-                <a:solidFill>
-                  <a:srgbClr val="000000"/>
-                </a:solidFill>
-                <a:effectLst/>
-                <a:latin typeface="Menlo" panose="020B0609030804020204" pitchFamily="49" charset="0"/>
-              </a:rPr>
-              <a:t>JSALTsrc</a:t>
-            </a:r>
-            <a:r>
-              <a:rPr lang="en-US" b="1" dirty="0">
-                <a:solidFill>
-                  <a:srgbClr val="000000"/>
-                </a:solidFill>
-                <a:effectLst/>
-                <a:latin typeface="Menlo" panose="020B0609030804020204" pitchFamily="49" charset="0"/>
-              </a:rPr>
-              <a:t>/</a:t>
-            </a:r>
-            <a:r>
-              <a:rPr lang="en-US" b="1" dirty="0" err="1">
-                <a:solidFill>
-                  <a:srgbClr val="000000"/>
-                </a:solidFill>
-                <a:effectLst/>
-                <a:latin typeface="Menlo" panose="020B0609030804020204" pitchFamily="49" charset="0"/>
-              </a:rPr>
-              <a:t>fetch_from_semantic_scholar_api.py</a:t>
-            </a:r>
-            <a:r>
-              <a:rPr lang="en-US" b="1" dirty="0">
-                <a:solidFill>
-                  <a:srgbClr val="000000"/>
-                </a:solidFill>
-                <a:effectLst/>
-                <a:latin typeface="Menlo" panose="020B0609030804020204" pitchFamily="49" charset="0"/>
-              </a:rPr>
-              <a:t> --fields year</a:t>
-            </a:r>
-            <a:endParaRPr lang="en-US" dirty="0">
-              <a:solidFill>
-                <a:srgbClr val="890E5F"/>
-              </a:solidFill>
-              <a:effectLst/>
-              <a:latin typeface="Menlo" panose="020B0609030804020204" pitchFamily="49" charset="0"/>
-            </a:endParaRPr>
-          </a:p>
-          <a:p>
-            <a:r>
-              <a:rPr lang="en-US" dirty="0">
-                <a:solidFill>
-                  <a:srgbClr val="890E5F"/>
-                </a:solidFill>
-                <a:effectLst/>
-                <a:latin typeface="Menlo" panose="020B0609030804020204" pitchFamily="49" charset="0"/>
-              </a:rPr>
-              <a:t>{'</a:t>
-            </a:r>
-            <a:r>
-              <a:rPr lang="en-US" dirty="0" err="1">
-                <a:solidFill>
-                  <a:srgbClr val="890E5F"/>
-                </a:solidFill>
-                <a:effectLst/>
-                <a:latin typeface="Menlo" panose="020B0609030804020204" pitchFamily="49" charset="0"/>
-              </a:rPr>
-              <a:t>paperId</a:t>
-            </a:r>
-            <a:r>
-              <a:rPr lang="en-US" dirty="0">
-                <a:solidFill>
-                  <a:srgbClr val="890E5F"/>
-                </a:solidFill>
-                <a:effectLst/>
-                <a:latin typeface="Menlo" panose="020B0609030804020204" pitchFamily="49" charset="0"/>
-              </a:rPr>
-              <a:t>': '8bd6a2a89503be083176f2cc26fabedb79238cbd', 'year': 2023}</a:t>
-            </a:r>
-          </a:p>
-          <a:p>
-            <a:r>
-              <a:rPr lang="en-US" dirty="0">
-                <a:solidFill>
-                  <a:srgbClr val="890E5F"/>
-                </a:solidFill>
-                <a:effectLst/>
-                <a:latin typeface="Menlo" panose="020B0609030804020204" pitchFamily="49" charset="0"/>
-              </a:rPr>
-              <a:t>{'</a:t>
-            </a:r>
-            <a:r>
-              <a:rPr lang="en-US" dirty="0" err="1">
-                <a:solidFill>
-                  <a:srgbClr val="890E5F"/>
-                </a:solidFill>
-                <a:effectLst/>
-                <a:latin typeface="Menlo" panose="020B0609030804020204" pitchFamily="49" charset="0"/>
-              </a:rPr>
-              <a:t>paperId</a:t>
-            </a:r>
-            <a:r>
-              <a:rPr lang="en-US" dirty="0">
-                <a:solidFill>
-                  <a:srgbClr val="890E5F"/>
-                </a:solidFill>
-                <a:effectLst/>
-                <a:latin typeface="Menlo" panose="020B0609030804020204" pitchFamily="49" charset="0"/>
-              </a:rPr>
-              <a:t>': 'f44ad7ad67ddd5fe74598fe491ca75c5221380df', 'year': 2023}</a:t>
-            </a:r>
-          </a:p>
-          <a:p>
-            <a:r>
-              <a:rPr lang="en-US" dirty="0">
-                <a:solidFill>
-                  <a:srgbClr val="890E5F"/>
-                </a:solidFill>
-                <a:effectLst/>
-                <a:latin typeface="Menlo" panose="020B0609030804020204" pitchFamily="49" charset="0"/>
-              </a:rPr>
-              <a:t>{'</a:t>
-            </a:r>
-            <a:r>
-              <a:rPr lang="en-US" dirty="0" err="1">
-                <a:solidFill>
-                  <a:srgbClr val="890E5F"/>
-                </a:solidFill>
-                <a:effectLst/>
-                <a:latin typeface="Menlo" panose="020B0609030804020204" pitchFamily="49" charset="0"/>
-              </a:rPr>
-              <a:t>paperId</a:t>
-            </a:r>
-            <a:r>
-              <a:rPr lang="en-US" dirty="0">
-                <a:solidFill>
-                  <a:srgbClr val="890E5F"/>
-                </a:solidFill>
-                <a:effectLst/>
-                <a:latin typeface="Menlo" panose="020B0609030804020204" pitchFamily="49" charset="0"/>
-              </a:rPr>
-              <a:t>': '1a8eb2cae1833df3bf12fe3b41b03d60b4a4a98d', 'year': 2023}</a:t>
-            </a:r>
-          </a:p>
-          <a:p>
-            <a:r>
-              <a:rPr lang="en-US" dirty="0">
-                <a:solidFill>
-                  <a:srgbClr val="890E5F"/>
-                </a:solidFill>
-                <a:effectLst/>
-                <a:latin typeface="Menlo" panose="020B0609030804020204" pitchFamily="49" charset="0"/>
-              </a:rPr>
-              <a:t>{'</a:t>
-            </a:r>
-            <a:r>
-              <a:rPr lang="en-US" dirty="0" err="1">
-                <a:solidFill>
-                  <a:srgbClr val="890E5F"/>
-                </a:solidFill>
-                <a:effectLst/>
-                <a:latin typeface="Menlo" panose="020B0609030804020204" pitchFamily="49" charset="0"/>
-              </a:rPr>
-              <a:t>paperId</a:t>
-            </a:r>
-            <a:r>
-              <a:rPr lang="en-US" dirty="0">
-                <a:solidFill>
-                  <a:srgbClr val="890E5F"/>
-                </a:solidFill>
-                <a:effectLst/>
-                <a:latin typeface="Menlo" panose="020B0609030804020204" pitchFamily="49" charset="0"/>
-              </a:rPr>
-              <a:t>': '44087314eec67a06bc68625cb8cb2fda29c3b8aa', 'year': 2022}</a:t>
-            </a:r>
-          </a:p>
-          <a:p>
-            <a:r>
-              <a:rPr lang="en-US" dirty="0">
-                <a:solidFill>
-                  <a:srgbClr val="890E5F"/>
-                </a:solidFill>
-                <a:effectLst/>
-                <a:latin typeface="Menlo" panose="020B0609030804020204" pitchFamily="49" charset="0"/>
-              </a:rPr>
-              <a:t>{'</a:t>
-            </a:r>
-            <a:r>
-              <a:rPr lang="en-US" dirty="0" err="1">
-                <a:solidFill>
-                  <a:srgbClr val="890E5F"/>
-                </a:solidFill>
-                <a:effectLst/>
-                <a:latin typeface="Menlo" panose="020B0609030804020204" pitchFamily="49" charset="0"/>
-              </a:rPr>
-              <a:t>paperId</a:t>
-            </a:r>
-            <a:r>
-              <a:rPr lang="en-US" dirty="0">
-                <a:solidFill>
-                  <a:srgbClr val="890E5F"/>
-                </a:solidFill>
-                <a:effectLst/>
-                <a:latin typeface="Menlo" panose="020B0609030804020204" pitchFamily="49" charset="0"/>
-              </a:rPr>
-              <a:t>': '6b85b63579a916f705a8e10a49bd8d849d91b1fc', 'year': 2020}</a:t>
-            </a:r>
-          </a:p>
-          <a:p>
-            <a:r>
-              <a:rPr lang="en-US" dirty="0">
-                <a:solidFill>
-                  <a:srgbClr val="890E5F"/>
-                </a:solidFill>
-                <a:effectLst/>
-                <a:latin typeface="Menlo" panose="020B0609030804020204" pitchFamily="49" charset="0"/>
-              </a:rPr>
-              <a:t>{'</a:t>
-            </a:r>
-            <a:r>
-              <a:rPr lang="en-US" dirty="0" err="1">
-                <a:solidFill>
-                  <a:srgbClr val="890E5F"/>
-                </a:solidFill>
-                <a:effectLst/>
-                <a:latin typeface="Menlo" panose="020B0609030804020204" pitchFamily="49" charset="0"/>
-              </a:rPr>
-              <a:t>paperId</a:t>
-            </a:r>
-            <a:r>
-              <a:rPr lang="en-US" dirty="0">
-                <a:solidFill>
-                  <a:srgbClr val="890E5F"/>
-                </a:solidFill>
-                <a:effectLst/>
-                <a:latin typeface="Menlo" panose="020B0609030804020204" pitchFamily="49" charset="0"/>
-              </a:rPr>
-              <a:t>': '8ca62fdf4c276ea3052dc96dcfd8ee96ca425a48', 'year': 2023}</a:t>
-            </a:r>
-          </a:p>
-          <a:p>
-            <a:r>
-              <a:rPr lang="en-US" dirty="0">
-                <a:solidFill>
-                  <a:srgbClr val="890E5F"/>
-                </a:solidFill>
-                <a:effectLst/>
-                <a:latin typeface="Menlo" panose="020B0609030804020204" pitchFamily="49" charset="0"/>
-              </a:rPr>
-              <a:t>{'</a:t>
-            </a:r>
-            <a:r>
-              <a:rPr lang="en-US" dirty="0" err="1">
-                <a:solidFill>
-                  <a:srgbClr val="890E5F"/>
-                </a:solidFill>
-                <a:effectLst/>
-                <a:latin typeface="Menlo" panose="020B0609030804020204" pitchFamily="49" charset="0"/>
-              </a:rPr>
-              <a:t>paperId</a:t>
-            </a:r>
-            <a:r>
-              <a:rPr lang="en-US" dirty="0">
-                <a:solidFill>
-                  <a:srgbClr val="890E5F"/>
-                </a:solidFill>
-                <a:effectLst/>
-                <a:latin typeface="Menlo" panose="020B0609030804020204" pitchFamily="49" charset="0"/>
-              </a:rPr>
-              <a:t>': '710d50e2a072d4dfc85d76de6684400c80ea59ce', 'year': 2022}</a:t>
-            </a:r>
-          </a:p>
-          <a:p>
-            <a:r>
-              <a:rPr lang="en-US" dirty="0">
-                <a:solidFill>
-                  <a:srgbClr val="890E5F"/>
-                </a:solidFill>
-                <a:effectLst/>
-                <a:latin typeface="Menlo" panose="020B0609030804020204" pitchFamily="49" charset="0"/>
-              </a:rPr>
-              <a:t>{'</a:t>
-            </a:r>
-            <a:r>
-              <a:rPr lang="en-US" dirty="0" err="1">
-                <a:solidFill>
-                  <a:srgbClr val="890E5F"/>
-                </a:solidFill>
-                <a:effectLst/>
-                <a:latin typeface="Menlo" panose="020B0609030804020204" pitchFamily="49" charset="0"/>
-              </a:rPr>
-              <a:t>paperId</a:t>
-            </a:r>
-            <a:r>
-              <a:rPr lang="en-US" dirty="0">
-                <a:solidFill>
-                  <a:srgbClr val="890E5F"/>
-                </a:solidFill>
-                <a:effectLst/>
-                <a:latin typeface="Menlo" panose="020B0609030804020204" pitchFamily="49" charset="0"/>
-              </a:rPr>
-              <a:t>': '3f5b31c4f7350dc88002c121aecbdc82f86eb5bb', 'year': 2023}</a:t>
-            </a:r>
-          </a:p>
-          <a:p>
-            <a:r>
-              <a:rPr lang="en-US" dirty="0">
-                <a:solidFill>
-                  <a:srgbClr val="890E5F"/>
-                </a:solidFill>
-                <a:effectLst/>
-                <a:latin typeface="Menlo" panose="020B0609030804020204" pitchFamily="49" charset="0"/>
-              </a:rPr>
-              <a:t>{'</a:t>
-            </a:r>
-            <a:r>
-              <a:rPr lang="en-US" dirty="0" err="1">
-                <a:solidFill>
-                  <a:srgbClr val="890E5F"/>
-                </a:solidFill>
-                <a:effectLst/>
-                <a:latin typeface="Menlo" panose="020B0609030804020204" pitchFamily="49" charset="0"/>
-              </a:rPr>
-              <a:t>paperId</a:t>
-            </a:r>
-            <a:r>
-              <a:rPr lang="en-US" dirty="0">
-                <a:solidFill>
-                  <a:srgbClr val="890E5F"/>
-                </a:solidFill>
-                <a:effectLst/>
-                <a:latin typeface="Menlo" panose="020B0609030804020204" pitchFamily="49" charset="0"/>
-              </a:rPr>
-              <a:t>': 'a3b42a83669998f65df60d7c065a70d07ca95e99', 'year': 2022}</a:t>
-            </a:r>
-          </a:p>
-          <a:p>
-            <a:r>
-              <a:rPr lang="en-US" dirty="0">
-                <a:solidFill>
-                  <a:srgbClr val="890E5F"/>
-                </a:solidFill>
-                <a:effectLst/>
-                <a:latin typeface="Menlo" panose="020B0609030804020204" pitchFamily="49" charset="0"/>
-              </a:rPr>
-              <a:t>{'</a:t>
-            </a:r>
-            <a:r>
-              <a:rPr lang="en-US" dirty="0" err="1">
-                <a:solidFill>
-                  <a:srgbClr val="890E5F"/>
-                </a:solidFill>
-                <a:effectLst/>
-                <a:latin typeface="Menlo" panose="020B0609030804020204" pitchFamily="49" charset="0"/>
-              </a:rPr>
-              <a:t>paperId</a:t>
-            </a:r>
-            <a:r>
-              <a:rPr lang="en-US" dirty="0">
-                <a:solidFill>
-                  <a:srgbClr val="890E5F"/>
-                </a:solidFill>
-                <a:effectLst/>
-                <a:latin typeface="Menlo" panose="020B0609030804020204" pitchFamily="49" charset="0"/>
-              </a:rPr>
-              <a:t>': '26218bdcc3945c7edae7aa2adbfba4cd820a2df3', 'year': 2022}</a:t>
-            </a:r>
-          </a:p>
-          <a:p>
-            <a:r>
-              <a:rPr lang="en-US" dirty="0">
-                <a:solidFill>
-                  <a:srgbClr val="890E5F"/>
-                </a:solidFill>
-                <a:effectLst/>
-                <a:latin typeface="Menlo" panose="020B0609030804020204" pitchFamily="49" charset="0"/>
-              </a:rPr>
-              <a:t>{'</a:t>
-            </a:r>
-            <a:r>
-              <a:rPr lang="en-US" dirty="0" err="1">
-                <a:solidFill>
-                  <a:srgbClr val="890E5F"/>
-                </a:solidFill>
-                <a:effectLst/>
-                <a:latin typeface="Menlo" panose="020B0609030804020204" pitchFamily="49" charset="0"/>
-              </a:rPr>
-              <a:t>paperId</a:t>
-            </a:r>
-            <a:r>
-              <a:rPr lang="en-US" dirty="0">
-                <a:solidFill>
-                  <a:srgbClr val="890E5F"/>
-                </a:solidFill>
-                <a:effectLst/>
-                <a:latin typeface="Menlo" panose="020B0609030804020204" pitchFamily="49" charset="0"/>
-              </a:rPr>
-              <a:t>': 'd5caec8107da41ec71fc0bb36d60fc2d8834846e', 'year': 2019}</a:t>
-            </a:r>
-          </a:p>
-          <a:p>
-            <a:r>
-              <a:rPr lang="en-US" dirty="0">
-                <a:solidFill>
-                  <a:srgbClr val="890E5F"/>
-                </a:solidFill>
-                <a:effectLst/>
-                <a:latin typeface="Menlo" panose="020B0609030804020204" pitchFamily="49" charset="0"/>
-              </a:rPr>
-              <a:t>{'</a:t>
-            </a:r>
-            <a:r>
-              <a:rPr lang="en-US" dirty="0" err="1">
-                <a:solidFill>
-                  <a:srgbClr val="890E5F"/>
-                </a:solidFill>
-                <a:effectLst/>
-                <a:latin typeface="Menlo" panose="020B0609030804020204" pitchFamily="49" charset="0"/>
-              </a:rPr>
-              <a:t>paperId</a:t>
-            </a:r>
-            <a:r>
-              <a:rPr lang="en-US" dirty="0">
-                <a:solidFill>
-                  <a:srgbClr val="890E5F"/>
-                </a:solidFill>
-                <a:effectLst/>
-                <a:latin typeface="Menlo" panose="020B0609030804020204" pitchFamily="49" charset="0"/>
-              </a:rPr>
-              <a:t>': '4d8f2d14af5991d4f0d050d22216825cac3157bd', 'year': 2015}</a:t>
-            </a:r>
-          </a:p>
-          <a:p>
-            <a:r>
-              <a:rPr lang="en-US" dirty="0">
-                <a:solidFill>
-                  <a:srgbClr val="890E5F"/>
-                </a:solidFill>
-                <a:effectLst/>
-                <a:latin typeface="Menlo" panose="020B0609030804020204" pitchFamily="49" charset="0"/>
-              </a:rPr>
-              <a:t>{'</a:t>
-            </a:r>
-            <a:r>
-              <a:rPr lang="en-US" dirty="0" err="1">
-                <a:solidFill>
-                  <a:srgbClr val="890E5F"/>
-                </a:solidFill>
-                <a:effectLst/>
-                <a:latin typeface="Menlo" panose="020B0609030804020204" pitchFamily="49" charset="0"/>
-              </a:rPr>
-              <a:t>paperId</a:t>
-            </a:r>
-            <a:r>
-              <a:rPr lang="en-US" dirty="0">
-                <a:solidFill>
-                  <a:srgbClr val="890E5F"/>
-                </a:solidFill>
-                <a:effectLst/>
-                <a:latin typeface="Menlo" panose="020B0609030804020204" pitchFamily="49" charset="0"/>
-              </a:rPr>
-              <a:t>': '63c74d15940af1af9b386b5762e4445e54c73719', 'year': 2021}</a:t>
-            </a:r>
-          </a:p>
-        </p:txBody>
-      </p:sp>
-      <p:sp>
-        <p:nvSpPr>
-          <p:cNvPr id="5" name="Date Placeholder 4">
-            <a:extLst>
-              <a:ext uri="{FF2B5EF4-FFF2-40B4-BE49-F238E27FC236}">
-                <a16:creationId xmlns:a16="http://schemas.microsoft.com/office/drawing/2014/main" id="{B703BF8C-DA3A-251C-49EF-DD9B4BBA0EFD}"/>
-              </a:ext>
-            </a:extLst>
-          </p:cNvPr>
-          <p:cNvSpPr>
-            <a:spLocks noGrp="1"/>
-          </p:cNvSpPr>
-          <p:nvPr>
-            <p:ph type="dt" sz="half" idx="10"/>
-          </p:nvPr>
-        </p:nvSpPr>
-        <p:spPr/>
-        <p:txBody>
-          <a:bodyPr/>
-          <a:lstStyle/>
-          <a:p>
-            <a:r>
-              <a:rPr lang="en-US"/>
-              <a:t>6/26/2023</a:t>
-            </a:r>
-          </a:p>
-        </p:txBody>
-      </p:sp>
-      <p:sp>
-        <p:nvSpPr>
-          <p:cNvPr id="6" name="Slide Number Placeholder 5">
-            <a:extLst>
-              <a:ext uri="{FF2B5EF4-FFF2-40B4-BE49-F238E27FC236}">
-                <a16:creationId xmlns:a16="http://schemas.microsoft.com/office/drawing/2014/main" id="{56408FD7-23A2-1ACE-A5CA-AC6AF764A68A}"/>
-              </a:ext>
-            </a:extLst>
-          </p:cNvPr>
-          <p:cNvSpPr>
-            <a:spLocks noGrp="1"/>
-          </p:cNvSpPr>
-          <p:nvPr>
-            <p:ph type="sldNum" sz="quarter" idx="12"/>
-          </p:nvPr>
-        </p:nvSpPr>
-        <p:spPr/>
-        <p:txBody>
-          <a:bodyPr/>
-          <a:lstStyle/>
-          <a:p>
-            <a:fld id="{A368AD35-EA55-254F-AD80-EFD99CF0F10B}" type="slidenum">
-              <a:rPr lang="en-US" smtClean="0"/>
-              <a:t>5</a:t>
-            </a:fld>
-            <a:endParaRPr lang="en-US"/>
-          </a:p>
-        </p:txBody>
-      </p:sp>
-      <p:sp>
-        <p:nvSpPr>
-          <p:cNvPr id="7" name="Google Shape;192;p14">
-            <a:extLst>
-              <a:ext uri="{FF2B5EF4-FFF2-40B4-BE49-F238E27FC236}">
-                <a16:creationId xmlns:a16="http://schemas.microsoft.com/office/drawing/2014/main" id="{2596B48E-480D-757F-657C-33D365855FB7}"/>
-              </a:ext>
-            </a:extLst>
-          </p:cNvPr>
-          <p:cNvSpPr/>
-          <p:nvPr/>
-        </p:nvSpPr>
-        <p:spPr>
-          <a:xfrm>
-            <a:off x="9524137" y="2035630"/>
-            <a:ext cx="2384835" cy="1251856"/>
-          </a:xfrm>
-          <a:prstGeom prst="wedgeRoundRectCallout">
-            <a:avLst>
-              <a:gd name="adj1" fmla="val -62682"/>
-              <a:gd name="adj2" fmla="val 12179"/>
-              <a:gd name="adj3" fmla="val 16667"/>
-            </a:avLst>
-          </a:prstGeom>
-          <a:solidFill>
-            <a:schemeClr val="accent1"/>
-          </a:solidFill>
-          <a:ln w="25400" cap="flat" cmpd="sng">
-            <a:solidFill>
-              <a:srgbClr val="102848"/>
-            </a:solidFill>
-            <a:prstDash val="solid"/>
-            <a:round/>
-            <a:headEnd type="none" w="sm" len="sm"/>
-            <a:tailEnd type="none" w="sm" len="sm"/>
-          </a:ln>
-        </p:spPr>
-        <p:txBody>
-          <a:bodyPr spcFirstLastPara="1" wrap="square" lIns="91425" tIns="45700" rIns="91425" bIns="45700" anchor="ctr" anchorCtr="0">
-            <a:noAutofit/>
-          </a:bodyPr>
-          <a:lstStyle/>
-          <a:p>
-            <a:pPr algn="ctr"/>
-            <a:r>
-              <a:rPr lang="en-US" sz="2400" dirty="0">
-                <a:solidFill>
-                  <a:schemeClr val="bg1"/>
-                </a:solidFill>
-              </a:rPr>
-              <a:t>Seeds are too recent to appear in embeddings</a:t>
-            </a:r>
-            <a:endParaRPr lang="en-US" sz="2400" dirty="0">
-              <a:solidFill>
-                <a:schemeClr val="bg1"/>
-              </a:solidFill>
-              <a:ea typeface="Cambria Math" panose="02040503050406030204" pitchFamily="18" charset="0"/>
-            </a:endParaRPr>
-          </a:p>
-        </p:txBody>
-      </p:sp>
-      <p:sp>
-        <p:nvSpPr>
-          <p:cNvPr id="8" name="Google Shape;192;p14">
-            <a:extLst>
-              <a:ext uri="{FF2B5EF4-FFF2-40B4-BE49-F238E27FC236}">
-                <a16:creationId xmlns:a16="http://schemas.microsoft.com/office/drawing/2014/main" id="{881DD2FC-D6D0-8ECA-A0B4-BA0F23D85D68}"/>
-              </a:ext>
-            </a:extLst>
-          </p:cNvPr>
-          <p:cNvSpPr/>
-          <p:nvPr/>
-        </p:nvSpPr>
-        <p:spPr>
-          <a:xfrm>
-            <a:off x="9524137" y="3802291"/>
-            <a:ext cx="2384835" cy="1251856"/>
-          </a:xfrm>
-          <a:prstGeom prst="wedgeRoundRectCallout">
-            <a:avLst>
-              <a:gd name="adj1" fmla="val -29361"/>
-              <a:gd name="adj2" fmla="val -82603"/>
-              <a:gd name="adj3" fmla="val 16667"/>
-            </a:avLst>
-          </a:prstGeom>
-          <a:solidFill>
-            <a:schemeClr val="accent1"/>
-          </a:solidFill>
-          <a:ln w="25400" cap="flat" cmpd="sng">
-            <a:solidFill>
-              <a:srgbClr val="102848"/>
-            </a:solidFill>
-            <a:prstDash val="solid"/>
-            <a:round/>
-            <a:headEnd type="none" w="sm" len="sm"/>
-            <a:tailEnd type="none" w="sm" len="sm"/>
-          </a:ln>
-        </p:spPr>
-        <p:txBody>
-          <a:bodyPr spcFirstLastPara="1" wrap="square" lIns="91425" tIns="45700" rIns="91425" bIns="45700" anchor="ctr" anchorCtr="0">
-            <a:noAutofit/>
-          </a:bodyPr>
-          <a:lstStyle/>
-          <a:p>
-            <a:pPr algn="ctr"/>
-            <a:r>
-              <a:rPr lang="en-US" sz="2400" dirty="0">
-                <a:solidFill>
-                  <a:schemeClr val="bg1"/>
-                </a:solidFill>
-              </a:rPr>
-              <a:t>Suggestion:</a:t>
-            </a:r>
-          </a:p>
-          <a:p>
-            <a:pPr algn="ctr"/>
-            <a:r>
-              <a:rPr lang="en-US" sz="2400" dirty="0">
-                <a:solidFill>
-                  <a:schemeClr val="bg1"/>
-                </a:solidFill>
-                <a:ea typeface="Cambria Math" panose="02040503050406030204" pitchFamily="18" charset="0"/>
-              </a:rPr>
-              <a:t>centroid approx. + inverse BERT</a:t>
-            </a:r>
-          </a:p>
-        </p:txBody>
-      </p:sp>
-    </p:spTree>
-    <p:extLst>
-      <p:ext uri="{BB962C8B-B14F-4D97-AF65-F5344CB8AC3E}">
-        <p14:creationId xmlns:p14="http://schemas.microsoft.com/office/powerpoint/2010/main" val="1447927254"/>
-      </p:ext>
-    </p:extLst>
-  </p:cSld>
-  <p:clrMapOvr>
-    <a:masterClrMapping/>
-  </p:clrMapOvr>
-  <p:timing>
-    <p:tnLst>
-      <p:par>
-        <p:cTn id="1" dur="indefinite" restart="never" nodeType="tmRoot">
-          <p:childTnLst>
-            <p:seq concurrent="1" nextAc="seek">
-              <p:cTn id="2" dur="indefinite" nodeType="mainSeq">
-                <p:childTnLst>
-                  <p:par>
-                    <p:cTn id="3" fill="hold">
-                      <p:stCondLst>
-                        <p:cond delay="indefinite"/>
-                      </p:stCondLst>
-                      <p:childTnLst>
-                        <p:par>
-                          <p:cTn id="4" fill="hold">
-                            <p:stCondLst>
-                              <p:cond delay="0"/>
-                            </p:stCondLst>
-                            <p:childTnLst>
-                              <p:par>
-                                <p:cTn id="5" presetID="2" presetClass="entr" presetSubtype="4" fill="hold" nodeType="clickEffect">
-                                  <p:stCondLst>
-                                    <p:cond delay="0"/>
-                                  </p:stCondLst>
-                                  <p:childTnLst>
-                                    <p:set>
-                                      <p:cBhvr>
-                                        <p:cTn id="6" dur="1" fill="hold">
-                                          <p:stCondLst>
-                                            <p:cond delay="0"/>
-                                          </p:stCondLst>
-                                        </p:cTn>
-                                        <p:tgtEl>
-                                          <p:spTgt spid="7"/>
-                                        </p:tgtEl>
-                                        <p:attrNameLst>
-                                          <p:attrName>style.visibility</p:attrName>
-                                        </p:attrNameLst>
-                                      </p:cBhvr>
-                                      <p:to>
-                                        <p:strVal val="visible"/>
-                                      </p:to>
-                                    </p:set>
-                                    <p:anim calcmode="lin" valueType="num">
-                                      <p:cBhvr additive="base">
-                                        <p:cTn id="7" dur="500"/>
-                                        <p:tgtEl>
-                                          <p:spTgt spid="7"/>
-                                        </p:tgtEl>
-                                        <p:attrNameLst>
-                                          <p:attrName>ppt_y</p:attrName>
-                                        </p:attrNameLst>
-                                      </p:cBhvr>
-                                      <p:tavLst>
-                                        <p:tav tm="0">
-                                          <p:val>
-                                            <p:strVal val="#ppt_y+1"/>
-                                          </p:val>
-                                        </p:tav>
-                                        <p:tav tm="100000">
-                                          <p:val>
-                                            <p:strVal val="#ppt_y"/>
-                                          </p:val>
-                                        </p:tav>
-                                      </p:tavLst>
-                                    </p:anim>
-                                  </p:childTnLst>
-                                </p:cTn>
-                              </p:par>
-                            </p:childTnLst>
-                          </p:cTn>
-                        </p:par>
-                      </p:childTnLst>
-                    </p:cTn>
-                  </p:par>
-                  <p:par>
-                    <p:cTn id="8" fill="hold">
-                      <p:stCondLst>
-                        <p:cond delay="indefinite"/>
-                      </p:stCondLst>
-                      <p:childTnLst>
-                        <p:par>
-                          <p:cTn id="9" fill="hold">
-                            <p:stCondLst>
-                              <p:cond delay="0"/>
-                            </p:stCondLst>
-                            <p:childTnLst>
-                              <p:par>
-                                <p:cTn id="10" presetID="2" presetClass="entr" presetSubtype="4" fill="hold" nodeType="clickEffect">
-                                  <p:stCondLst>
-                                    <p:cond delay="0"/>
-                                  </p:stCondLst>
-                                  <p:childTnLst>
-                                    <p:set>
-                                      <p:cBhvr>
-                                        <p:cTn id="11" dur="1" fill="hold">
-                                          <p:stCondLst>
-                                            <p:cond delay="0"/>
-                                          </p:stCondLst>
-                                        </p:cTn>
-                                        <p:tgtEl>
-                                          <p:spTgt spid="8"/>
-                                        </p:tgtEl>
-                                        <p:attrNameLst>
-                                          <p:attrName>style.visibility</p:attrName>
-                                        </p:attrNameLst>
-                                      </p:cBhvr>
-                                      <p:to>
-                                        <p:strVal val="visible"/>
-                                      </p:to>
-                                    </p:set>
-                                    <p:anim calcmode="lin" valueType="num">
-                                      <p:cBhvr additive="base">
-                                        <p:cTn id="12" dur="500"/>
-                                        <p:tgtEl>
-                                          <p:spTgt spid="8"/>
-                                        </p:tgtEl>
-                                        <p:attrNameLst>
-                                          <p:attrName>ppt_y</p:attrName>
-                                        </p:attrNameLst>
-                                      </p:cBhvr>
-                                      <p:tavLst>
-                                        <p:tav tm="0">
-                                          <p:val>
-                                            <p:strVal val="#ppt_y+1"/>
-                                          </p:val>
-                                        </p:tav>
-                                        <p:tav tm="100000">
-                                          <p:val>
-                                            <p:strVal val="#ppt_y"/>
-                                          </p:val>
-                                        </p:tav>
-                                      </p:tavLst>
-                                    </p:anim>
-                                  </p:childTnLst>
-                                </p:cTn>
-                              </p:par>
-                            </p:childTnLst>
-                          </p:cTn>
-                        </p:par>
-                      </p:childTnLst>
-                    </p:cTn>
-                  </p:par>
-                </p:childTnLst>
-              </p:cTn>
-              <p:prevCondLst>
-                <p:cond evt="onPrev" delay="0">
-                  <p:tgtEl>
-                    <p:sldTgt/>
-                  </p:tgtEl>
-                </p:cond>
-              </p:prevCondLst>
-              <p:nextCondLst>
-                <p:cond evt="onNext" delay="0">
-                  <p:tgtEl>
-                    <p:sldTgt/>
-                  </p:tgtEl>
-                </p:cond>
-              </p:nextCondLst>
-            </p:seq>
-          </p:childTnLst>
-        </p:cTn>
-      </p:par>
-    </p:tnLst>
-  </p:timing>
-</p:sld>
-</file>
-
-<file path=ppt/slides/slide6.xml><?xml version="1.0" encoding="utf-8"?>
-<p:sld xmlns:a="http://schemas.openxmlformats.org/drawingml/2006/main" xmlns:r="http://schemas.openxmlformats.org/officeDocument/2006/relationships" xmlns:p="http://schemas.openxmlformats.org/presentationml/2006/main">
-  <p:cSld>
-    <p:spTree>
-      <p:nvGrpSpPr>
-        <p:cNvPr id="1" name=""/>
-        <p:cNvGrpSpPr/>
-        <p:nvPr/>
-      </p:nvGrpSpPr>
-      <p:grpSpPr>
-        <a:xfrm>
-          <a:off x="0" y="0"/>
-          <a:ext cx="0" cy="0"/>
-          <a:chOff x="0" y="0"/>
-          <a:chExt cx="0" cy="0"/>
-        </a:xfrm>
-      </p:grpSpPr>
-      <p:sp>
-        <p:nvSpPr>
-          <p:cNvPr id="2" name="Title 1">
-            <a:extLst>
-              <a:ext uri="{FF2B5EF4-FFF2-40B4-BE49-F238E27FC236}">
                 <a16:creationId xmlns:a16="http://schemas.microsoft.com/office/drawing/2014/main" id="{2A8C7D69-4742-AB8F-A19B-DBF0D3C4FF8B}"/>
               </a:ext>
             </a:extLst>
@@ -6555,7 +4620,7 @@
           <a:p>
             <a:fld id="{A368AD35-EA55-254F-AD80-EFD99CF0F10B}" type="slidenum">
               <a:rPr lang="en-US" smtClean="0"/>
-              <a:t>6</a:t>
+              <a:t>3</a:t>
             </a:fld>
             <a:endParaRPr lang="en-US"/>
           </a:p>

--- a/slides/checkpoints/June30/kwc_June30_checkpoint.pptx
+++ b/slides/checkpoints/June30/kwc_June30_checkpoint.pptx
@@ -3975,28 +3975,15 @@
                 <a:pPr lvl="1"/>
                 <a:r>
                   <a:rPr lang="en-US" dirty="0"/>
-                  <a:t>How to search embeddings with a vector </a:t>
-                </a:r>
-                <a:r>
-                  <a:rPr lang="en-US"/>
-                  <a:t>query </a:t>
+                  <a:t>How to search embeddings with a vector query </a:t>
                 </a:r>
               </a:p>
               <a:p>
                 <a:pPr lvl="1"/>
                 <a:r>
-                  <a:rPr lang="en-US"/>
-                  <a:t>(</a:t>
+                  <a:rPr lang="en-US" dirty="0"/>
+                  <a:t>(that may not be in embedding)</a:t>
                 </a:r>
-                <a:r>
-                  <a:rPr lang="en-US" dirty="0"/>
-                  <a:t>that may not be </a:t>
-                </a:r>
-                <a:r>
-                  <a:rPr lang="en-US"/>
-                  <a:t>in embedding)</a:t>
-                </a:r>
-                <a:endParaRPr lang="en-US" dirty="0"/>
               </a:p>
             </p:txBody>
           </p:sp>
